--- a/Discusión del Reglamento - Luis Manuel Díaz Barón.pptx
+++ b/Discusión del Reglamento - Luis Manuel Díaz Barón.pptx
@@ -6298,7 +6298,11 @@
             </a:r>
             <a:r>
               <a:rPr lang="es-ES" sz="2900" dirty="0" smtClean="0"/>
-              <a:t>en cada colectivo y nivel de dirección.</a:t>
+              <a:t>en cada colectivo y nivel de </a:t>
+            </a:r>
+            <a:r>
+              <a:rPr lang="es-ES" sz="2900" dirty="0" smtClean="0"/>
+              <a:t>dirección.</a:t>
             </a:r>
             <a:endParaRPr lang="es-ES" sz="2900" dirty="0"/>
           </a:p>
@@ -6383,7 +6387,15 @@
             </a:r>
             <a:r>
               <a:rPr lang="es-ES" sz="2900" dirty="0" smtClean="0"/>
-              <a:t> para establecer los objetivos a alcanzar con el trabajo metodológico. Se concretan en acciones específicas a desarrollar, utilizando las formas y tipos que se establecen en este reglamento u otras que surjan en la dinámica de este trabajo. Las acciones a realizar se plasman en un plan de trabajo metodológico para cada curso académico. </a:t>
+              <a:t> para establecer los objetivos a alcanzar con el trabajo metodológico. Se concretan en acciones específicas a desarrollar, utilizando las formas y tipos que se establecen en este reglamento u otras que surjan en la dinámica de este trabajo. Las acciones a realizar se plasman en un plan de trabajo metodológico para cada curso </a:t>
+            </a:r>
+            <a:r>
+              <a:rPr lang="es-ES" sz="2900" smtClean="0"/>
+              <a:t>académico</a:t>
+            </a:r>
+            <a:r>
+              <a:rPr lang="es-ES" sz="2900" smtClean="0"/>
+              <a:t>.</a:t>
             </a:r>
             <a:endParaRPr lang="es-ES" sz="2900" dirty="0"/>
           </a:p>
@@ -7155,19 +7167,7 @@
             </a:r>
             <a:r>
               <a:rPr lang="es-ES" sz="2900" dirty="0" smtClean="0"/>
-              <a:t>Se </a:t>
-            </a:r>
-            <a:r>
-              <a:rPr lang="es-ES" sz="2900" dirty="0" smtClean="0"/>
-              <a:t>llevará a cabo en cada uno de </a:t>
-            </a:r>
-            <a:r>
-              <a:rPr lang="es-ES" sz="2900" dirty="0" smtClean="0"/>
-              <a:t>los niveles </a:t>
-            </a:r>
-            <a:r>
-              <a:rPr lang="es-ES" sz="2900" dirty="0" smtClean="0"/>
-              <a:t>organizativos del proceso docente educativo.</a:t>
+              <a:t>Se llevará a cabo en cada uno de los niveles organizativos del proceso docente educativo.</a:t>
             </a:r>
             <a:endParaRPr lang="es-ES" sz="2900" dirty="0"/>
           </a:p>
